--- a/Info/TeamPPT_Final4.pptx
+++ b/Info/TeamPPT_Final4.pptx
@@ -175,7 +175,7 @@
           <a:blip r:embed="rId3">
             <a:extLst>
               <a:ext uri="{28A0092B-C50C-407E-A947-70E740481C1C}">
-                <a14:useLocalDpi xmlns="" xmlns:a14="http://schemas.microsoft.com/office/drawing/2010/main" val="0"/>
+                <a14:useLocalDpi xmlns:a14="http://schemas.microsoft.com/office/drawing/2010/main" xmlns="" val="0"/>
               </a:ext>
             </a:extLst>
           </a:blip>
@@ -195,7 +195,7 @@
           <a:noFill/>
           <a:extLst>
             <a:ext uri="{909E8E84-426E-40DD-AFC4-6F175D3DCCD1}">
-              <a14:hiddenFill xmlns="" xmlns:a14="http://schemas.microsoft.com/office/drawing/2010/main">
+              <a14:hiddenFill xmlns:a14="http://schemas.microsoft.com/office/drawing/2010/main" xmlns="">
                 <a:solidFill>
                   <a:srgbClr val="FFFFFF"/>
                 </a:solidFill>
@@ -246,7 +246,7 @@
     </p:spTree>
     <p:extLst>
       <p:ext uri="{BB962C8B-B14F-4D97-AF65-F5344CB8AC3E}">
-        <p14:creationId xmlns="" xmlns:p14="http://schemas.microsoft.com/office/powerpoint/2010/main" val="2032416694"/>
+        <p14:creationId xmlns:p14="http://schemas.microsoft.com/office/powerpoint/2010/main" xmlns="" val="2032416694"/>
       </p:ext>
     </p:extLst>
   </p:cSld>
@@ -459,7 +459,7 @@
     </p:spTree>
     <p:extLst>
       <p:ext uri="{BB962C8B-B14F-4D97-AF65-F5344CB8AC3E}">
-        <p14:creationId xmlns="" xmlns:p14="http://schemas.microsoft.com/office/powerpoint/2010/main" val="2825368943"/>
+        <p14:creationId xmlns:p14="http://schemas.microsoft.com/office/powerpoint/2010/main" xmlns="" val="2825368943"/>
       </p:ext>
     </p:extLst>
   </p:cSld>
@@ -672,7 +672,7 @@
     </p:spTree>
     <p:extLst>
       <p:ext uri="{BB962C8B-B14F-4D97-AF65-F5344CB8AC3E}">
-        <p14:creationId xmlns="" xmlns:p14="http://schemas.microsoft.com/office/powerpoint/2010/main" val="2221001295"/>
+        <p14:creationId xmlns:p14="http://schemas.microsoft.com/office/powerpoint/2010/main" xmlns="" val="2221001295"/>
       </p:ext>
     </p:extLst>
   </p:cSld>
@@ -772,7 +772,7 @@
     </p:spTree>
     <p:extLst>
       <p:ext uri="{BB962C8B-B14F-4D97-AF65-F5344CB8AC3E}">
-        <p14:creationId xmlns="" xmlns:p14="http://schemas.microsoft.com/office/powerpoint/2010/main" val="3694015714"/>
+        <p14:creationId xmlns:p14="http://schemas.microsoft.com/office/powerpoint/2010/main" xmlns="" val="3694015714"/>
       </p:ext>
     </p:extLst>
   </p:cSld>
@@ -1051,7 +1051,7 @@
     </p:spTree>
     <p:extLst>
       <p:ext uri="{BB962C8B-B14F-4D97-AF65-F5344CB8AC3E}">
-        <p14:creationId xmlns="" xmlns:p14="http://schemas.microsoft.com/office/powerpoint/2010/main" val="1819799790"/>
+        <p14:creationId xmlns:p14="http://schemas.microsoft.com/office/powerpoint/2010/main" xmlns="" val="1819799790"/>
       </p:ext>
     </p:extLst>
   </p:cSld>
@@ -1380,7 +1380,7 @@
     </p:spTree>
     <p:extLst>
       <p:ext uri="{BB962C8B-B14F-4D97-AF65-F5344CB8AC3E}">
-        <p14:creationId xmlns="" xmlns:p14="http://schemas.microsoft.com/office/powerpoint/2010/main" val="1845900609"/>
+        <p14:creationId xmlns:p14="http://schemas.microsoft.com/office/powerpoint/2010/main" xmlns="" val="1845900609"/>
       </p:ext>
     </p:extLst>
   </p:cSld>
@@ -1849,7 +1849,7 @@
     </p:spTree>
     <p:extLst>
       <p:ext uri="{BB962C8B-B14F-4D97-AF65-F5344CB8AC3E}">
-        <p14:creationId xmlns="" xmlns:p14="http://schemas.microsoft.com/office/powerpoint/2010/main" val="1834140844"/>
+        <p14:creationId xmlns:p14="http://schemas.microsoft.com/office/powerpoint/2010/main" xmlns="" val="1834140844"/>
       </p:ext>
     </p:extLst>
   </p:cSld>
@@ -2002,7 +2002,7 @@
     </p:spTree>
     <p:extLst>
       <p:ext uri="{BB962C8B-B14F-4D97-AF65-F5344CB8AC3E}">
-        <p14:creationId xmlns="" xmlns:p14="http://schemas.microsoft.com/office/powerpoint/2010/main" val="3978738694"/>
+        <p14:creationId xmlns:p14="http://schemas.microsoft.com/office/powerpoint/2010/main" xmlns="" val="3978738694"/>
       </p:ext>
     </p:extLst>
   </p:cSld>
@@ -2124,7 +2124,7 @@
     </p:spTree>
     <p:extLst>
       <p:ext uri="{BB962C8B-B14F-4D97-AF65-F5344CB8AC3E}">
-        <p14:creationId xmlns="" xmlns:p14="http://schemas.microsoft.com/office/powerpoint/2010/main" val="3760371323"/>
+        <p14:creationId xmlns:p14="http://schemas.microsoft.com/office/powerpoint/2010/main" xmlns="" val="3760371323"/>
       </p:ext>
     </p:extLst>
   </p:cSld>
@@ -2437,7 +2437,7 @@
     </p:spTree>
     <p:extLst>
       <p:ext uri="{BB962C8B-B14F-4D97-AF65-F5344CB8AC3E}">
-        <p14:creationId xmlns="" xmlns:p14="http://schemas.microsoft.com/office/powerpoint/2010/main" val="2046782160"/>
+        <p14:creationId xmlns:p14="http://schemas.microsoft.com/office/powerpoint/2010/main" xmlns="" val="2046782160"/>
       </p:ext>
     </p:extLst>
   </p:cSld>
@@ -2726,7 +2726,7 @@
     </p:spTree>
     <p:extLst>
       <p:ext uri="{BB962C8B-B14F-4D97-AF65-F5344CB8AC3E}">
-        <p14:creationId xmlns="" xmlns:p14="http://schemas.microsoft.com/office/powerpoint/2010/main" val="2028806487"/>
+        <p14:creationId xmlns:p14="http://schemas.microsoft.com/office/powerpoint/2010/main" xmlns="" val="2028806487"/>
       </p:ext>
     </p:extLst>
   </p:cSld>
@@ -2771,7 +2771,7 @@
     </p:spTree>
     <p:extLst>
       <p:ext uri="{BB962C8B-B14F-4D97-AF65-F5344CB8AC3E}">
-        <p14:creationId xmlns="" xmlns:p14="http://schemas.microsoft.com/office/powerpoint/2010/main" val="437338208"/>
+        <p14:creationId xmlns:p14="http://schemas.microsoft.com/office/powerpoint/2010/main" xmlns="" val="437338208"/>
       </p:ext>
     </p:extLst>
   </p:cSld>
@@ -3142,7 +3142,7 @@
     </p:spTree>
     <p:extLst>
       <p:ext uri="{BB962C8B-B14F-4D97-AF65-F5344CB8AC3E}">
-        <p14:creationId xmlns="" xmlns:p14="http://schemas.microsoft.com/office/powerpoint/2010/main" val="1941221791"/>
+        <p14:creationId xmlns:p14="http://schemas.microsoft.com/office/powerpoint/2010/main" xmlns="" val="1941221791"/>
       </p:ext>
     </p:extLst>
   </p:cSld>
@@ -3310,7 +3310,7 @@
     </p:spTree>
     <p:extLst>
       <p:ext uri="{BB962C8B-B14F-4D97-AF65-F5344CB8AC3E}">
-        <p14:creationId xmlns="" xmlns:p14="http://schemas.microsoft.com/office/powerpoint/2010/main" val="891763176"/>
+        <p14:creationId xmlns:p14="http://schemas.microsoft.com/office/powerpoint/2010/main" xmlns="" val="891763176"/>
       </p:ext>
     </p:extLst>
   </p:cSld>
@@ -3521,7 +3521,7 @@
     </p:spTree>
     <p:extLst>
       <p:ext uri="{BB962C8B-B14F-4D97-AF65-F5344CB8AC3E}">
-        <p14:creationId xmlns="" xmlns:p14="http://schemas.microsoft.com/office/powerpoint/2010/main" val="891763176"/>
+        <p14:creationId xmlns:p14="http://schemas.microsoft.com/office/powerpoint/2010/main" xmlns="" val="891763176"/>
       </p:ext>
     </p:extLst>
   </p:cSld>
@@ -3967,7 +3967,7 @@
     </p:spTree>
     <p:extLst>
       <p:ext uri="{BB962C8B-B14F-4D97-AF65-F5344CB8AC3E}">
-        <p14:creationId xmlns="" xmlns:p14="http://schemas.microsoft.com/office/powerpoint/2010/main" val="891763176"/>
+        <p14:creationId xmlns:p14="http://schemas.microsoft.com/office/powerpoint/2010/main" xmlns="" val="891763176"/>
       </p:ext>
     </p:extLst>
   </p:cSld>
@@ -4151,7 +4151,7 @@
     </p:spTree>
     <p:extLst>
       <p:ext uri="{BB962C8B-B14F-4D97-AF65-F5344CB8AC3E}">
-        <p14:creationId xmlns="" xmlns:p14="http://schemas.microsoft.com/office/powerpoint/2010/main" val="891763176"/>
+        <p14:creationId xmlns:p14="http://schemas.microsoft.com/office/powerpoint/2010/main" xmlns="" val="891763176"/>
       </p:ext>
     </p:extLst>
   </p:cSld>
@@ -4292,7 +4292,7 @@
     </p:spTree>
     <p:extLst>
       <p:ext uri="{BB962C8B-B14F-4D97-AF65-F5344CB8AC3E}">
-        <p14:creationId xmlns="" xmlns:p14="http://schemas.microsoft.com/office/powerpoint/2010/main" val="891763176"/>
+        <p14:creationId xmlns:p14="http://schemas.microsoft.com/office/powerpoint/2010/main" xmlns="" val="891763176"/>
       </p:ext>
     </p:extLst>
   </p:cSld>
@@ -4601,7 +4601,7 @@
     </p:spTree>
     <p:extLst>
       <p:ext uri="{BB962C8B-B14F-4D97-AF65-F5344CB8AC3E}">
-        <p14:creationId xmlns="" xmlns:p14="http://schemas.microsoft.com/office/powerpoint/2010/main" val="891763176"/>
+        <p14:creationId xmlns:p14="http://schemas.microsoft.com/office/powerpoint/2010/main" xmlns="" val="891763176"/>
       </p:ext>
     </p:extLst>
   </p:cSld>
@@ -4695,7 +4695,7 @@
           <a:blip r:embed="rId2">
             <a:extLst>
               <a:ext uri="{28A0092B-C50C-407E-A947-70E740481C1C}">
-                <a14:useLocalDpi xmlns="" xmlns:a14="http://schemas.microsoft.com/office/drawing/2010/main" val="0"/>
+                <a14:useLocalDpi xmlns:a14="http://schemas.microsoft.com/office/drawing/2010/main" xmlns="" val="0"/>
               </a:ext>
             </a:extLst>
           </a:blip>
@@ -4725,14 +4725,14 @@
           </a:effectLst>
           <a:extLst>
             <a:ext uri="{909E8E84-426E-40DD-AFC4-6F175D3DCCD1}">
-              <a14:hiddenFill xmlns="" xmlns:a14="http://schemas.microsoft.com/office/drawing/2010/main">
+              <a14:hiddenFill xmlns:a14="http://schemas.microsoft.com/office/drawing/2010/main" xmlns="">
                 <a:solidFill>
                   <a:schemeClr val="accent1"/>
                 </a:solidFill>
               </a14:hiddenFill>
             </a:ext>
             <a:ext uri="{91240B29-F687-4F45-9708-019B960494DF}">
-              <a14:hiddenLine xmlns="" xmlns:a14="http://schemas.microsoft.com/office/drawing/2010/main" w="9525">
+              <a14:hiddenLine xmlns:a14="http://schemas.microsoft.com/office/drawing/2010/main" xmlns="" w="9525">
                 <a:solidFill>
                   <a:schemeClr val="tx1"/>
                 </a:solidFill>
@@ -4742,7 +4742,7 @@
               </a14:hiddenLine>
             </a:ext>
             <a:ext uri="{AF507438-7753-43E0-B8FC-AC1667EBCBE1}">
-              <a14:hiddenEffects xmlns="" xmlns:a14="http://schemas.microsoft.com/office/drawing/2010/main">
+              <a14:hiddenEffects xmlns:a14="http://schemas.microsoft.com/office/drawing/2010/main" xmlns="">
                 <a:effectLst>
                   <a:outerShdw dist="35921" dir="2700000" algn="ctr" rotWithShape="0">
                     <a:schemeClr val="bg2"/>
@@ -4820,7 +4820,7 @@
     </p:spTree>
     <p:extLst>
       <p:ext uri="{BB962C8B-B14F-4D97-AF65-F5344CB8AC3E}">
-        <p14:creationId xmlns="" xmlns:p14="http://schemas.microsoft.com/office/powerpoint/2010/main" val="891763176"/>
+        <p14:creationId xmlns:p14="http://schemas.microsoft.com/office/powerpoint/2010/main" xmlns="" val="891763176"/>
       </p:ext>
     </p:extLst>
   </p:cSld>
@@ -4915,7 +4915,7 @@
           <a:blip r:embed="rId2">
             <a:extLst>
               <a:ext uri="{28A0092B-C50C-407E-A947-70E740481C1C}">
-                <a14:useLocalDpi xmlns="" xmlns:a14="http://schemas.microsoft.com/office/drawing/2010/main" val="0"/>
+                <a14:useLocalDpi xmlns:a14="http://schemas.microsoft.com/office/drawing/2010/main" xmlns="" val="0"/>
               </a:ext>
             </a:extLst>
           </a:blip>
@@ -4948,14 +4948,14 @@
           </a:effectLst>
           <a:extLst>
             <a:ext uri="{909E8E84-426E-40DD-AFC4-6F175D3DCCD1}">
-              <a14:hiddenFill xmlns="" xmlns:a14="http://schemas.microsoft.com/office/drawing/2010/main">
+              <a14:hiddenFill xmlns:a14="http://schemas.microsoft.com/office/drawing/2010/main" xmlns="">
                 <a:solidFill>
                   <a:schemeClr val="accent1"/>
                 </a:solidFill>
               </a14:hiddenFill>
             </a:ext>
             <a:ext uri="{91240B29-F687-4F45-9708-019B960494DF}">
-              <a14:hiddenLine xmlns="" xmlns:a14="http://schemas.microsoft.com/office/drawing/2010/main" w="9525">
+              <a14:hiddenLine xmlns:a14="http://schemas.microsoft.com/office/drawing/2010/main" xmlns="" w="9525">
                 <a:solidFill>
                   <a:schemeClr val="tx1"/>
                 </a:solidFill>
@@ -4965,7 +4965,7 @@
               </a14:hiddenLine>
             </a:ext>
             <a:ext uri="{AF507438-7753-43E0-B8FC-AC1667EBCBE1}">
-              <a14:hiddenEffects xmlns="" xmlns:a14="http://schemas.microsoft.com/office/drawing/2010/main">
+              <a14:hiddenEffects xmlns:a14="http://schemas.microsoft.com/office/drawing/2010/main" xmlns="">
                 <a:effectLst>
                   <a:outerShdw dist="35921" dir="2700000" algn="ctr" rotWithShape="0">
                     <a:schemeClr val="bg2"/>
@@ -4988,7 +4988,7 @@
           <a:blip r:embed="rId3">
             <a:extLst>
               <a:ext uri="{28A0092B-C50C-407E-A947-70E740481C1C}">
-                <a14:useLocalDpi xmlns="" xmlns:a14="http://schemas.microsoft.com/office/drawing/2010/main" val="0"/>
+                <a14:useLocalDpi xmlns:a14="http://schemas.microsoft.com/office/drawing/2010/main" xmlns="" val="0"/>
               </a:ext>
             </a:extLst>
           </a:blip>
@@ -5021,14 +5021,14 @@
           </a:effectLst>
           <a:extLst>
             <a:ext uri="{909E8E84-426E-40DD-AFC4-6F175D3DCCD1}">
-              <a14:hiddenFill xmlns="" xmlns:a14="http://schemas.microsoft.com/office/drawing/2010/main">
+              <a14:hiddenFill xmlns:a14="http://schemas.microsoft.com/office/drawing/2010/main" xmlns="">
                 <a:solidFill>
                   <a:schemeClr val="accent1"/>
                 </a:solidFill>
               </a14:hiddenFill>
             </a:ext>
             <a:ext uri="{91240B29-F687-4F45-9708-019B960494DF}">
-              <a14:hiddenLine xmlns="" xmlns:a14="http://schemas.microsoft.com/office/drawing/2010/main" w="9525">
+              <a14:hiddenLine xmlns:a14="http://schemas.microsoft.com/office/drawing/2010/main" xmlns="" w="9525">
                 <a:solidFill>
                   <a:schemeClr val="tx1"/>
                 </a:solidFill>
@@ -5038,7 +5038,7 @@
               </a14:hiddenLine>
             </a:ext>
             <a:ext uri="{AF507438-7753-43E0-B8FC-AC1667EBCBE1}">
-              <a14:hiddenEffects xmlns="" xmlns:a14="http://schemas.microsoft.com/office/drawing/2010/main">
+              <a14:hiddenEffects xmlns:a14="http://schemas.microsoft.com/office/drawing/2010/main" xmlns="">
                 <a:effectLst>
                   <a:outerShdw dist="35921" dir="2700000" algn="ctr" rotWithShape="0">
                     <a:schemeClr val="bg2"/>
@@ -5061,7 +5061,7 @@
           <a:blip r:embed="rId4">
             <a:extLst>
               <a:ext uri="{28A0092B-C50C-407E-A947-70E740481C1C}">
-                <a14:useLocalDpi xmlns="" xmlns:a14="http://schemas.microsoft.com/office/drawing/2010/main" val="0"/>
+                <a14:useLocalDpi xmlns:a14="http://schemas.microsoft.com/office/drawing/2010/main" xmlns="" val="0"/>
               </a:ext>
             </a:extLst>
           </a:blip>
@@ -5094,14 +5094,14 @@
           </a:effectLst>
           <a:extLst>
             <a:ext uri="{909E8E84-426E-40DD-AFC4-6F175D3DCCD1}">
-              <a14:hiddenFill xmlns="" xmlns:a14="http://schemas.microsoft.com/office/drawing/2010/main">
+              <a14:hiddenFill xmlns:a14="http://schemas.microsoft.com/office/drawing/2010/main" xmlns="">
                 <a:solidFill>
                   <a:schemeClr val="accent1"/>
                 </a:solidFill>
               </a14:hiddenFill>
             </a:ext>
             <a:ext uri="{91240B29-F687-4F45-9708-019B960494DF}">
-              <a14:hiddenLine xmlns="" xmlns:a14="http://schemas.microsoft.com/office/drawing/2010/main" w="9525">
+              <a14:hiddenLine xmlns:a14="http://schemas.microsoft.com/office/drawing/2010/main" xmlns="" w="9525">
                 <a:solidFill>
                   <a:schemeClr val="tx1"/>
                 </a:solidFill>
@@ -5111,7 +5111,7 @@
               </a14:hiddenLine>
             </a:ext>
             <a:ext uri="{AF507438-7753-43E0-B8FC-AC1667EBCBE1}">
-              <a14:hiddenEffects xmlns="" xmlns:a14="http://schemas.microsoft.com/office/drawing/2010/main">
+              <a14:hiddenEffects xmlns:a14="http://schemas.microsoft.com/office/drawing/2010/main" xmlns="">
                 <a:effectLst>
                   <a:outerShdw dist="35921" dir="2700000" algn="ctr" rotWithShape="0">
                     <a:schemeClr val="bg2"/>
@@ -5125,7 +5125,7 @@
     </p:spTree>
     <p:extLst>
       <p:ext uri="{BB962C8B-B14F-4D97-AF65-F5344CB8AC3E}">
-        <p14:creationId xmlns="" xmlns:p14="http://schemas.microsoft.com/office/powerpoint/2010/main" val="891763176"/>
+        <p14:creationId xmlns:p14="http://schemas.microsoft.com/office/powerpoint/2010/main" xmlns="" val="891763176"/>
       </p:ext>
     </p:extLst>
   </p:cSld>
@@ -5519,7 +5519,7 @@
     </p:spTree>
     <p:extLst>
       <p:ext uri="{BB962C8B-B14F-4D97-AF65-F5344CB8AC3E}">
-        <p14:creationId xmlns="" xmlns:p14="http://schemas.microsoft.com/office/powerpoint/2010/main" val="891763176"/>
+        <p14:creationId xmlns:p14="http://schemas.microsoft.com/office/powerpoint/2010/main" xmlns="" val="891763176"/>
       </p:ext>
     </p:extLst>
   </p:cSld>
@@ -6112,7 +6112,7 @@
     </p:spTree>
     <p:extLst>
       <p:ext uri="{BB962C8B-B14F-4D97-AF65-F5344CB8AC3E}">
-        <p14:creationId xmlns="" xmlns:p14="http://schemas.microsoft.com/office/powerpoint/2010/main" val="891763176"/>
+        <p14:creationId xmlns:p14="http://schemas.microsoft.com/office/powerpoint/2010/main" xmlns="" val="891763176"/>
       </p:ext>
     </p:extLst>
   </p:cSld>
@@ -7776,7 +7776,7 @@
               <a:buChar char="ü"/>
             </a:pPr>
             <a:r>
-              <a:rPr lang="en-US" altLang="ko-KR" sz="2500" dirty="0" smtClean="0">
+              <a:rPr lang="en-US" altLang="ko-KR" sz="2500" smtClean="0">
                 <a:solidFill>
                   <a:schemeClr val="tx1">
                     <a:lumMod val="50000"/>
@@ -7786,7 +7786,33 @@
                 <a:latin typeface="Calibri" pitchFamily="34" charset="0"/>
                 <a:cs typeface="Calibri" pitchFamily="34" charset="0"/>
               </a:rPr>
-              <a:t>Spring 1.5.2</a:t>
+              <a:t>SpringBoot</a:t>
+            </a:r>
+            <a:r>
+              <a:rPr lang="en-US" altLang="ko-KR" sz="2500" dirty="0" smtClean="0">
+                <a:solidFill>
+                  <a:schemeClr val="tx1">
+                    <a:lumMod val="50000"/>
+                    <a:lumOff val="50000"/>
+                  </a:schemeClr>
+                </a:solidFill>
+                <a:latin typeface="Calibri" pitchFamily="34" charset="0"/>
+                <a:cs typeface="Calibri" pitchFamily="34" charset="0"/>
+              </a:rPr>
+              <a:t> </a:t>
+            </a:r>
+            <a:r>
+              <a:rPr lang="en-US" altLang="ko-KR" sz="2500" dirty="0" smtClean="0">
+                <a:solidFill>
+                  <a:schemeClr val="tx1">
+                    <a:lumMod val="50000"/>
+                    <a:lumOff val="50000"/>
+                  </a:schemeClr>
+                </a:solidFill>
+                <a:latin typeface="Calibri" pitchFamily="34" charset="0"/>
+                <a:cs typeface="Calibri" pitchFamily="34" charset="0"/>
+              </a:rPr>
+              <a:t>1.5.2</a:t>
             </a:r>
           </a:p>
           <a:p>
@@ -7886,7 +7912,7 @@
     </p:spTree>
     <p:extLst>
       <p:ext uri="{BB962C8B-B14F-4D97-AF65-F5344CB8AC3E}">
-        <p14:creationId xmlns="" xmlns:p14="http://schemas.microsoft.com/office/powerpoint/2010/main" val="891763176"/>
+        <p14:creationId xmlns:p14="http://schemas.microsoft.com/office/powerpoint/2010/main" xmlns="" val="891763176"/>
       </p:ext>
     </p:extLst>
   </p:cSld>
@@ -8526,7 +8552,7 @@
     </p:spTree>
     <p:extLst>
       <p:ext uri="{BB962C8B-B14F-4D97-AF65-F5344CB8AC3E}">
-        <p14:creationId xmlns="" xmlns:p14="http://schemas.microsoft.com/office/powerpoint/2010/main" val="891763176"/>
+        <p14:creationId xmlns:p14="http://schemas.microsoft.com/office/powerpoint/2010/main" xmlns="" val="891763176"/>
       </p:ext>
     </p:extLst>
   </p:cSld>
@@ -8694,7 +8720,7 @@
     </p:spTree>
     <p:extLst>
       <p:ext uri="{BB962C8B-B14F-4D97-AF65-F5344CB8AC3E}">
-        <p14:creationId xmlns="" xmlns:p14="http://schemas.microsoft.com/office/powerpoint/2010/main" val="891763176"/>
+        <p14:creationId xmlns:p14="http://schemas.microsoft.com/office/powerpoint/2010/main" xmlns="" val="891763176"/>
       </p:ext>
     </p:extLst>
   </p:cSld>
@@ -8862,7 +8888,7 @@
     </p:spTree>
     <p:extLst>
       <p:ext uri="{BB962C8B-B14F-4D97-AF65-F5344CB8AC3E}">
-        <p14:creationId xmlns="" xmlns:p14="http://schemas.microsoft.com/office/powerpoint/2010/main" val="891763176"/>
+        <p14:creationId xmlns:p14="http://schemas.microsoft.com/office/powerpoint/2010/main" xmlns="" val="891763176"/>
       </p:ext>
     </p:extLst>
   </p:cSld>
@@ -9316,7 +9342,7 @@
     </p:spTree>
     <p:extLst>
       <p:ext uri="{BB962C8B-B14F-4D97-AF65-F5344CB8AC3E}">
-        <p14:creationId xmlns="" xmlns:p14="http://schemas.microsoft.com/office/powerpoint/2010/main" val="891763176"/>
+        <p14:creationId xmlns:p14="http://schemas.microsoft.com/office/powerpoint/2010/main" xmlns="" val="891763176"/>
       </p:ext>
     </p:extLst>
   </p:cSld>
@@ -9531,7 +9557,7 @@
     </p:spTree>
     <p:extLst>
       <p:ext uri="{BB962C8B-B14F-4D97-AF65-F5344CB8AC3E}">
-        <p14:creationId xmlns="" xmlns:p14="http://schemas.microsoft.com/office/powerpoint/2010/main" val="891763176"/>
+        <p14:creationId xmlns:p14="http://schemas.microsoft.com/office/powerpoint/2010/main" xmlns="" val="891763176"/>
       </p:ext>
     </p:extLst>
   </p:cSld>
@@ -10014,7 +10040,7 @@
     </p:spTree>
     <p:extLst>
       <p:ext uri="{BB962C8B-B14F-4D97-AF65-F5344CB8AC3E}">
-        <p14:creationId xmlns="" xmlns:p14="http://schemas.microsoft.com/office/powerpoint/2010/main" val="891763176"/>
+        <p14:creationId xmlns:p14="http://schemas.microsoft.com/office/powerpoint/2010/main" xmlns="" val="891763176"/>
       </p:ext>
     </p:extLst>
   </p:cSld>
